--- a/Vim講習会.pptx
+++ b/Vim講習会.pptx
@@ -4467,7 +4467,7 @@
           <a:p>
             <a:fld id="{7189F11E-2BDD-4DF2-A28C-465B73F9AF24}" type="datetimeFigureOut">
               <a:rPr kumimoji="1" lang="ja-JP" altLang="en-US" smtClean="0"/>
-              <a:t>2018/8/4</a:t>
+              <a:t>2018/8/6</a:t>
             </a:fld>
             <a:endParaRPr kumimoji="1" lang="ja-JP" altLang="en-US"/>
           </a:p>
@@ -4718,7 +4718,7 @@
           <a:p>
             <a:fld id="{7189F11E-2BDD-4DF2-A28C-465B73F9AF24}" type="datetimeFigureOut">
               <a:rPr kumimoji="1" lang="ja-JP" altLang="en-US" smtClean="0"/>
-              <a:t>2018/8/4</a:t>
+              <a:t>2018/8/6</a:t>
             </a:fld>
             <a:endParaRPr kumimoji="1" lang="ja-JP" altLang="en-US"/>
           </a:p>
@@ -5032,7 +5032,7 @@
           <a:p>
             <a:fld id="{7189F11E-2BDD-4DF2-A28C-465B73F9AF24}" type="datetimeFigureOut">
               <a:rPr kumimoji="1" lang="ja-JP" altLang="en-US" smtClean="0"/>
-              <a:t>2018/8/4</a:t>
+              <a:t>2018/8/6</a:t>
             </a:fld>
             <a:endParaRPr kumimoji="1" lang="ja-JP" altLang="en-US"/>
           </a:p>
@@ -5373,7 +5373,7 @@
           <a:p>
             <a:fld id="{7189F11E-2BDD-4DF2-A28C-465B73F9AF24}" type="datetimeFigureOut">
               <a:rPr kumimoji="1" lang="ja-JP" altLang="en-US" smtClean="0"/>
-              <a:t>2018/8/4</a:t>
+              <a:t>2018/8/6</a:t>
             </a:fld>
             <a:endParaRPr kumimoji="1" lang="ja-JP" altLang="en-US"/>
           </a:p>
@@ -5687,7 +5687,7 @@
           <a:p>
             <a:fld id="{7189F11E-2BDD-4DF2-A28C-465B73F9AF24}" type="datetimeFigureOut">
               <a:rPr kumimoji="1" lang="ja-JP" altLang="en-US" smtClean="0"/>
-              <a:t>2018/8/4</a:t>
+              <a:t>2018/8/6</a:t>
             </a:fld>
             <a:endParaRPr kumimoji="1" lang="ja-JP" altLang="en-US"/>
           </a:p>
@@ -6080,7 +6080,7 @@
           <a:p>
             <a:fld id="{7189F11E-2BDD-4DF2-A28C-465B73F9AF24}" type="datetimeFigureOut">
               <a:rPr kumimoji="1" lang="ja-JP" altLang="en-US" smtClean="0"/>
-              <a:t>2018/8/4</a:t>
+              <a:t>2018/8/6</a:t>
             </a:fld>
             <a:endParaRPr kumimoji="1" lang="ja-JP" altLang="en-US"/>
           </a:p>
@@ -6282,7 +6282,7 @@
           <a:p>
             <a:fld id="{7189F11E-2BDD-4DF2-A28C-465B73F9AF24}" type="datetimeFigureOut">
               <a:rPr kumimoji="1" lang="ja-JP" altLang="en-US" smtClean="0"/>
-              <a:t>2018/8/4</a:t>
+              <a:t>2018/8/6</a:t>
             </a:fld>
             <a:endParaRPr kumimoji="1" lang="ja-JP" altLang="en-US"/>
           </a:p>
@@ -6494,7 +6494,7 @@
           <a:p>
             <a:fld id="{7189F11E-2BDD-4DF2-A28C-465B73F9AF24}" type="datetimeFigureOut">
               <a:rPr kumimoji="1" lang="ja-JP" altLang="en-US" smtClean="0"/>
-              <a:t>2018/8/4</a:t>
+              <a:t>2018/8/6</a:t>
             </a:fld>
             <a:endParaRPr kumimoji="1" lang="ja-JP" altLang="en-US"/>
           </a:p>
@@ -6702,7 +6702,7 @@
           <a:p>
             <a:fld id="{7189F11E-2BDD-4DF2-A28C-465B73F9AF24}" type="datetimeFigureOut">
               <a:rPr kumimoji="1" lang="ja-JP" altLang="en-US" smtClean="0"/>
-              <a:t>2018/8/4</a:t>
+              <a:t>2018/8/6</a:t>
             </a:fld>
             <a:endParaRPr kumimoji="1" lang="ja-JP" altLang="en-US"/>
           </a:p>
@@ -6949,7 +6949,7 @@
           <a:p>
             <a:fld id="{7189F11E-2BDD-4DF2-A28C-465B73F9AF24}" type="datetimeFigureOut">
               <a:rPr kumimoji="1" lang="ja-JP" altLang="en-US" smtClean="0"/>
-              <a:t>2018/8/4</a:t>
+              <a:t>2018/8/6</a:t>
             </a:fld>
             <a:endParaRPr kumimoji="1" lang="ja-JP" altLang="en-US"/>
           </a:p>
@@ -7245,7 +7245,7 @@
           <a:p>
             <a:fld id="{7189F11E-2BDD-4DF2-A28C-465B73F9AF24}" type="datetimeFigureOut">
               <a:rPr kumimoji="1" lang="ja-JP" altLang="en-US" smtClean="0"/>
-              <a:t>2018/8/4</a:t>
+              <a:t>2018/8/6</a:t>
             </a:fld>
             <a:endParaRPr kumimoji="1" lang="ja-JP" altLang="en-US"/>
           </a:p>
@@ -7683,7 +7683,7 @@
           <a:p>
             <a:fld id="{7189F11E-2BDD-4DF2-A28C-465B73F9AF24}" type="datetimeFigureOut">
               <a:rPr kumimoji="1" lang="ja-JP" altLang="en-US" smtClean="0"/>
-              <a:t>2018/8/4</a:t>
+              <a:t>2018/8/6</a:t>
             </a:fld>
             <a:endParaRPr kumimoji="1" lang="ja-JP" altLang="en-US"/>
           </a:p>
@@ -7806,7 +7806,7 @@
           <a:p>
             <a:fld id="{7189F11E-2BDD-4DF2-A28C-465B73F9AF24}" type="datetimeFigureOut">
               <a:rPr kumimoji="1" lang="ja-JP" altLang="en-US" smtClean="0"/>
-              <a:t>2018/8/4</a:t>
+              <a:t>2018/8/6</a:t>
             </a:fld>
             <a:endParaRPr kumimoji="1" lang="ja-JP" altLang="en-US"/>
           </a:p>
@@ -7901,7 +7901,7 @@
           <a:p>
             <a:fld id="{7189F11E-2BDD-4DF2-A28C-465B73F9AF24}" type="datetimeFigureOut">
               <a:rPr kumimoji="1" lang="ja-JP" altLang="en-US" smtClean="0"/>
-              <a:t>2018/8/4</a:t>
+              <a:t>2018/8/6</a:t>
             </a:fld>
             <a:endParaRPr kumimoji="1" lang="ja-JP" altLang="en-US"/>
           </a:p>
@@ -8188,7 +8188,7 @@
           <a:p>
             <a:fld id="{7189F11E-2BDD-4DF2-A28C-465B73F9AF24}" type="datetimeFigureOut">
               <a:rPr kumimoji="1" lang="ja-JP" altLang="en-US" smtClean="0"/>
-              <a:t>2018/8/4</a:t>
+              <a:t>2018/8/6</a:t>
             </a:fld>
             <a:endParaRPr kumimoji="1" lang="ja-JP" altLang="en-US"/>
           </a:p>
@@ -8451,7 +8451,7 @@
           <a:p>
             <a:fld id="{7189F11E-2BDD-4DF2-A28C-465B73F9AF24}" type="datetimeFigureOut">
               <a:rPr kumimoji="1" lang="ja-JP" altLang="en-US" smtClean="0"/>
-              <a:t>2018/8/4</a:t>
+              <a:t>2018/8/6</a:t>
             </a:fld>
             <a:endParaRPr kumimoji="1" lang="ja-JP" altLang="en-US"/>
           </a:p>
@@ -9226,7 +9226,7 @@
           <a:p>
             <a:fld id="{7189F11E-2BDD-4DF2-A28C-465B73F9AF24}" type="datetimeFigureOut">
               <a:rPr kumimoji="1" lang="ja-JP" altLang="en-US" smtClean="0"/>
-              <a:t>2018/8/4</a:t>
+              <a:t>2018/8/6</a:t>
             </a:fld>
             <a:endParaRPr kumimoji="1" lang="ja-JP" altLang="en-US"/>
           </a:p>
@@ -13231,7 +13231,7 @@
             </a:r>
             <a:r>
               <a:rPr lang="en-US" altLang="ja-JP" sz="3200" dirty="0"/>
-              <a:t>nt </a:t>
+              <a:t>tab </a:t>
             </a:r>
             <a:r>
               <a:rPr lang="ja-JP" altLang="en-US" sz="3200" dirty="0"/>
@@ -13268,7 +13268,7 @@
             </a:r>
             <a:r>
               <a:rPr lang="en-US" altLang="ja-JP" sz="3200" dirty="0"/>
-              <a:t>  nt :</a:t>
+              <a:t>  tab :</a:t>
             </a:r>
             <a:r>
               <a:rPr lang="en-US" altLang="ja-JP" sz="3200" dirty="0" err="1"/>
